--- a/Bhavya (Review 1).pptx
+++ b/Bhavya (Review 1).pptx
@@ -10,7 +10,7 @@
   <p:sldIdLst>
     <p:sldId id="259" r:id="rId2"/>
     <p:sldId id="261" r:id="rId3"/>
-    <p:sldId id="262" r:id="rId4"/>
+    <p:sldId id="270" r:id="rId4"/>
     <p:sldId id="263" r:id="rId5"/>
     <p:sldId id="264" r:id="rId6"/>
     <p:sldId id="265" r:id="rId7"/>
@@ -9603,6 +9603,18 @@
               <a:buNone/>
             </a:pPr>
             <a:r>
+              <a:rPr lang="en-GB" sz="1700" b="1" dirty="0">
+                <a:solidFill>
+                  <a:srgbClr val="17365D"/>
+                </a:solidFill>
+                <a:latin typeface="Cambria" panose="02040503050406030204" pitchFamily="18" charset="0"/>
+                <a:ea typeface="Cambria" panose="02040503050406030204" pitchFamily="18" charset="0"/>
+                <a:cs typeface="Verdana"/>
+                <a:sym typeface="Verdana"/>
+              </a:rPr>
+              <a:t>Assistant </a:t>
+            </a:r>
+            <a:r>
               <a:rPr lang="en-GB" sz="1700" b="1" i="0" u="none" strike="noStrike" cap="none" dirty="0">
                 <a:solidFill>
                   <a:srgbClr val="17365D"/>
@@ -9763,9 +9775,6 @@
             </a:r>
             <a:r>
               <a:rPr lang="en-US" sz="2000" b="1" i="0" u="none" strike="noStrike" cap="none" dirty="0" err="1">
-                <a:solidFill>
-                  <a:schemeClr val="accent1"/>
-                </a:solidFill>
                 <a:latin typeface="Cambria" panose="02040503050406030204" pitchFamily="18" charset="0"/>
                 <a:ea typeface="Cambria" panose="02040503050406030204" pitchFamily="18" charset="0"/>
                 <a:cs typeface="Verdana"/>
@@ -9774,9 +9783,6 @@
               <a:t>Btech</a:t>
             </a:r>
             <a:endParaRPr lang="en-US" sz="2000" b="1" i="0" u="none" strike="noStrike" cap="none" dirty="0">
-              <a:solidFill>
-                <a:schemeClr val="accent1"/>
-              </a:solidFill>
               <a:latin typeface="Cambria" panose="02040503050406030204" pitchFamily="18" charset="0"/>
               <a:ea typeface="Cambria" panose="02040503050406030204" pitchFamily="18" charset="0"/>
               <a:cs typeface="Verdana"/>
@@ -9832,7 +9838,16 @@
                 <a:cs typeface="Verdana"/>
                 <a:sym typeface="Verdana"/>
               </a:rPr>
-              <a:t>: DR Pallavi R</a:t>
+              <a:t>: </a:t>
+            </a:r>
+            <a:r>
+              <a:rPr lang="en-US" sz="2000" b="1" dirty="0">
+                <a:latin typeface="Cambria" panose="02040503050406030204" pitchFamily="18" charset="0"/>
+                <a:ea typeface="Cambria" panose="02040503050406030204" pitchFamily="18" charset="0"/>
+                <a:cs typeface="Verdana"/>
+                <a:sym typeface="Verdana"/>
+              </a:rPr>
+              <a:t>DR Pallavi R</a:t>
             </a:r>
           </a:p>
           <a:p>
@@ -9855,22 +9870,25 @@
               <a:t>Name of the Program Internship Coordinator: </a:t>
             </a:r>
             <a:r>
-              <a:rPr lang="en-GB" sz="2000" b="1" dirty="0" err="1">
-                <a:solidFill>
-                  <a:schemeClr val="accent1"/>
-                </a:solidFill>
+              <a:rPr lang="en-GB" sz="2000" b="1" dirty="0">
                 <a:latin typeface="Cambria" panose="02040503050406030204" pitchFamily="18" charset="0"/>
                 <a:ea typeface="Cambria" panose="02040503050406030204" pitchFamily="18" charset="0"/>
                 <a:cs typeface="Verdana"/>
                 <a:sym typeface="Verdana"/>
               </a:rPr>
-              <a:t>Mr.Saptarsi</a:t>
+              <a:t>Mr. </a:t>
+            </a:r>
+            <a:r>
+              <a:rPr lang="en-GB" sz="2000" b="1" dirty="0" err="1">
+                <a:latin typeface="Cambria" panose="02040503050406030204" pitchFamily="18" charset="0"/>
+                <a:ea typeface="Cambria" panose="02040503050406030204" pitchFamily="18" charset="0"/>
+                <a:cs typeface="Verdana"/>
+                <a:sym typeface="Verdana"/>
+              </a:rPr>
+              <a:t>Saptarsi</a:t>
             </a:r>
             <a:r>
               <a:rPr lang="en-GB" sz="2000" b="1" dirty="0">
-                <a:solidFill>
-                  <a:schemeClr val="accent1"/>
-                </a:solidFill>
                 <a:latin typeface="Cambria" panose="02040503050406030204" pitchFamily="18" charset="0"/>
                 <a:ea typeface="Cambria" panose="02040503050406030204" pitchFamily="18" charset="0"/>
                 <a:cs typeface="Verdana"/>
@@ -9879,9 +9897,6 @@
               <a:t> Sanyal</a:t>
             </a:r>
             <a:endParaRPr lang="en-US" sz="2000" b="1" i="0" u="none" strike="noStrike" cap="none" dirty="0">
-              <a:solidFill>
-                <a:schemeClr val="accent1"/>
-              </a:solidFill>
               <a:latin typeface="Cambria" panose="02040503050406030204" pitchFamily="18" charset="0"/>
               <a:ea typeface="Cambria" panose="02040503050406030204" pitchFamily="18" charset="0"/>
               <a:cs typeface="Verdana"/>
@@ -10841,13 +10856,13 @@
         </p:nvSpPr>
         <p:spPr>
           <a:xfrm>
-            <a:off x="838200" y="1604245"/>
+            <a:off x="838200" y="1529600"/>
             <a:ext cx="10515600" cy="4058194"/>
           </a:xfrm>
         </p:spPr>
         <p:txBody>
           <a:bodyPr>
-            <a:normAutofit fontScale="92500" lnSpcReduction="20000"/>
+            <a:normAutofit/>
           </a:bodyPr>
           <a:lstStyle/>
           <a:p>
@@ -10864,7 +10879,7 @@
           </a:p>
           <a:p>
             <a:r>
-              <a:rPr lang="en-US" dirty="0">
+              <a:rPr lang="en-US" sz="2000" dirty="0">
                 <a:latin typeface="Times New Roman" panose="02020603050405020304" pitchFamily="18" charset="0"/>
                 <a:cs typeface="Times New Roman" panose="02020603050405020304" pitchFamily="18" charset="0"/>
               </a:rPr>
@@ -10873,7 +10888,7 @@
           </a:p>
           <a:p>
             <a:r>
-              <a:rPr lang="en-US" dirty="0">
+              <a:rPr lang="en-US" sz="2000" dirty="0">
                 <a:latin typeface="Times New Roman" panose="02020603050405020304" pitchFamily="18" charset="0"/>
                 <a:cs typeface="Times New Roman" panose="02020603050405020304" pitchFamily="18" charset="0"/>
               </a:rPr>
@@ -10882,7 +10897,7 @@
           </a:p>
           <a:p>
             <a:r>
-              <a:rPr lang="en-US" dirty="0">
+              <a:rPr lang="en-US" sz="2000" dirty="0">
                 <a:latin typeface="Times New Roman" panose="02020603050405020304" pitchFamily="18" charset="0"/>
                 <a:cs typeface="Times New Roman" panose="02020603050405020304" pitchFamily="18" charset="0"/>
               </a:rPr>
@@ -10891,7 +10906,7 @@
           </a:p>
           <a:p>
             <a:r>
-              <a:rPr lang="en-US" dirty="0">
+              <a:rPr lang="en-US" sz="2000" dirty="0">
                 <a:latin typeface="Times New Roman" panose="02020603050405020304" pitchFamily="18" charset="0"/>
                 <a:cs typeface="Times New Roman" panose="02020603050405020304" pitchFamily="18" charset="0"/>
               </a:rPr>
@@ -10932,7 +10947,7 @@
     </p:spTree>
     <p:extLst>
       <p:ext uri="{BB962C8B-B14F-4D97-AF65-F5344CB8AC3E}">
-        <p14:creationId xmlns:p14="http://schemas.microsoft.com/office/powerpoint/2010/main" val="658682123"/>
+        <p14:creationId xmlns:p14="http://schemas.microsoft.com/office/powerpoint/2010/main" val="2454279341"/>
       </p:ext>
     </p:extLst>
   </p:cSld>
@@ -11676,22 +11691,74 @@
           <a:bodyPr/>
           <a:lstStyle/>
           <a:p>
-            <a:endParaRPr lang="en-US" dirty="0"/>
-          </a:p>
-          <a:p>
-            <a:endParaRPr lang="en-US" dirty="0"/>
-          </a:p>
-          <a:p>
+            <a:pPr marL="0" indent="0">
+              <a:buNone/>
+            </a:pPr>
             <a:r>
               <a:rPr lang="en-US" dirty="0"/>
-              <a:t>Company does not allow to share the codes of the development </a:t>
+              <a:t> </a:t>
             </a:r>
           </a:p>
           <a:p>
+            <a:pPr marL="0" indent="0">
+              <a:buNone/>
+            </a:pPr>
+            <a:r>
+              <a:rPr lang="en-US" dirty="0"/>
+              <a:t>            </a:t>
+            </a:r>
+            <a:r>
+              <a:rPr lang="en-US" dirty="0">
+                <a:hlinkClick r:id="rId2"/>
+              </a:rPr>
+              <a:t>https://github.com/G-Bhavya26/CSE7302</a:t>
+            </a:r>
+            <a:endParaRPr lang="en-US" dirty="0"/>
+          </a:p>
+          <a:p>
+            <a:pPr marL="0" indent="0">
+              <a:buNone/>
+            </a:pPr>
             <a:endParaRPr lang="en-US" dirty="0"/>
           </a:p>
         </p:txBody>
       </p:sp>
+      <p:pic>
+        <p:nvPicPr>
+          <p:cNvPr id="5" name="Picture 4">
+            <a:extLst>
+              <a:ext uri="{FF2B5EF4-FFF2-40B4-BE49-F238E27FC236}">
+                <a16:creationId xmlns:a16="http://schemas.microsoft.com/office/drawing/2014/main" id="{F8FEBC3E-F1AB-C042-8D1F-8437BC12456E}"/>
+              </a:ext>
+            </a:extLst>
+          </p:cNvPr>
+          <p:cNvPicPr>
+            <a:picLocks noChangeAspect="1"/>
+          </p:cNvPicPr>
+          <p:nvPr/>
+        </p:nvPicPr>
+        <p:blipFill>
+          <a:blip r:embed="rId3">
+            <a:extLst>
+              <a:ext uri="{28A0092B-C50C-407E-A947-70E740481C1C}">
+                <a14:useLocalDpi xmlns:a14="http://schemas.microsoft.com/office/drawing/2010/main" val="0"/>
+              </a:ext>
+            </a:extLst>
+          </a:blip>
+          <a:stretch>
+            <a:fillRect/>
+          </a:stretch>
+        </p:blipFill>
+        <p:spPr>
+          <a:xfrm>
+            <a:off x="838200" y="1567541"/>
+            <a:ext cx="475862" cy="522515"/>
+          </a:xfrm>
+          <a:prstGeom prst="rect">
+            <a:avLst/>
+          </a:prstGeom>
+        </p:spPr>
+      </p:pic>
     </p:spTree>
     <p:extLst>
       <p:ext uri="{BB962C8B-B14F-4D97-AF65-F5344CB8AC3E}">
